--- a/99Daily Report/99OutPut/0708DailyReport.pptx
+++ b/99Daily Report/99OutPut/0708DailyReport.pptx
@@ -5,10 +5,8 @@
     <p:sldMasterId id="2147483648" r:id="rId1"/>
   </p:sldMasterIdLst>
   <p:sldIdLst>
-    <p:sldId id="258" r:id="rId2"/>
-    <p:sldId id="262" r:id="rId3"/>
-    <p:sldId id="261" r:id="rId4"/>
-    <p:sldId id="259" r:id="rId5"/>
+    <p:sldId id="262" r:id="rId2"/>
+    <p:sldId id="261" r:id="rId3"/>
   </p:sldIdLst>
   <p:sldSz cx="12192000" cy="6858000"/>
   <p:notesSz cx="6858000" cy="9144000"/>
@@ -3334,104 +3332,6 @@
           <p:cNvPr id="2" name="제목 1">
             <a:extLst>
               <a:ext uri="{FF2B5EF4-FFF2-40B4-BE49-F238E27FC236}">
-                <a16:creationId xmlns:a16="http://schemas.microsoft.com/office/drawing/2014/main" id="{D9FF0286-6E38-4202-8C73-D11A3C773423}"/>
-              </a:ext>
-            </a:extLst>
-          </p:cNvPr>
-          <p:cNvSpPr>
-            <a:spLocks noGrp="1"/>
-          </p:cNvSpPr>
-          <p:nvPr>
-            <p:ph type="title"/>
-          </p:nvPr>
-        </p:nvSpPr>
-        <p:spPr/>
-        <p:txBody>
-          <a:bodyPr/>
-          <a:lstStyle/>
-          <a:p>
-            <a:r>
-              <a:rPr lang="en-US" altLang="ko-KR" dirty="0"/>
-              <a:t>Today </a:t>
-            </a:r>
-            <a:r>
-              <a:rPr lang="en-US" altLang="ko-KR" dirty="0" err="1"/>
-              <a:t>FeedBack</a:t>
-            </a:r>
-            <a:endParaRPr lang="ko-KR" altLang="en-US" dirty="0"/>
-          </a:p>
-        </p:txBody>
-      </p:sp>
-      <p:sp>
-        <p:nvSpPr>
-          <p:cNvPr id="3" name="내용 개체 틀 2">
-            <a:extLst>
-              <a:ext uri="{FF2B5EF4-FFF2-40B4-BE49-F238E27FC236}">
-                <a16:creationId xmlns:a16="http://schemas.microsoft.com/office/drawing/2014/main" id="{63B485AF-BB82-4CAA-A9DB-0FE1B6C8CAE0}"/>
-              </a:ext>
-            </a:extLst>
-          </p:cNvPr>
-          <p:cNvSpPr>
-            <a:spLocks noGrp="1"/>
-          </p:cNvSpPr>
-          <p:nvPr>
-            <p:ph idx="1"/>
-          </p:nvPr>
-        </p:nvSpPr>
-        <p:spPr/>
-        <p:txBody>
-          <a:bodyPr/>
-          <a:lstStyle/>
-          <a:p>
-            <a:r>
-              <a:rPr lang="ko-KR" altLang="en-US" dirty="0"/>
-              <a:t>모작 게임 검색</a:t>
-            </a:r>
-            <a:endParaRPr lang="en-US" altLang="ko-KR" dirty="0"/>
-          </a:p>
-          <a:p>
-            <a:r>
-              <a:rPr lang="ko-KR" altLang="en-US" dirty="0"/>
-              <a:t>리소스 검색</a:t>
-            </a:r>
-          </a:p>
-        </p:txBody>
-      </p:sp>
-    </p:spTree>
-    <p:extLst>
-      <p:ext uri="{BB962C8B-B14F-4D97-AF65-F5344CB8AC3E}">
-        <p14:creationId xmlns:p14="http://schemas.microsoft.com/office/powerpoint/2010/main" val="861275011"/>
-      </p:ext>
-    </p:extLst>
-  </p:cSld>
-  <p:clrMapOvr>
-    <a:masterClrMapping/>
-  </p:clrMapOvr>
-</p:sld>
-</file>
-
-<file path=ppt/slides/slide2.xml><?xml version="1.0" encoding="utf-8"?>
-<p:sld xmlns:a="http://schemas.openxmlformats.org/drawingml/2006/main" xmlns:r="http://schemas.openxmlformats.org/officeDocument/2006/relationships" xmlns:p="http://schemas.openxmlformats.org/presentationml/2006/main">
-  <p:cSld>
-    <p:spTree>
-      <p:nvGrpSpPr>
-        <p:cNvPr id="1" name=""/>
-        <p:cNvGrpSpPr/>
-        <p:nvPr/>
-      </p:nvGrpSpPr>
-      <p:grpSpPr>
-        <a:xfrm>
-          <a:off x="0" y="0"/>
-          <a:ext cx="0" cy="0"/>
-          <a:chOff x="0" y="0"/>
-          <a:chExt cx="0" cy="0"/>
-        </a:xfrm>
-      </p:grpSpPr>
-      <p:sp>
-        <p:nvSpPr>
-          <p:cNvPr id="2" name="제목 1">
-            <a:extLst>
-              <a:ext uri="{FF2B5EF4-FFF2-40B4-BE49-F238E27FC236}">
                 <a16:creationId xmlns:a16="http://schemas.microsoft.com/office/drawing/2014/main" id="{E34C8A84-9201-46EE-B7A2-AA4D9F07BC1B}"/>
               </a:ext>
             </a:extLst>
@@ -3735,7 +3635,7 @@
 </p:sld>
 </file>
 
-<file path=ppt/slides/slide3.xml><?xml version="1.0" encoding="utf-8"?>
+<file path=ppt/slides/slide2.xml><?xml version="1.0" encoding="utf-8"?>
 <p:sld xmlns:a="http://schemas.openxmlformats.org/drawingml/2006/main" xmlns:r="http://schemas.openxmlformats.org/officeDocument/2006/relationships" xmlns:p="http://schemas.openxmlformats.org/presentationml/2006/main">
   <p:cSld>
     <p:spTree>
@@ -4217,90 +4117,6 @@
     <p:extLst>
       <p:ext uri="{BB962C8B-B14F-4D97-AF65-F5344CB8AC3E}">
         <p14:creationId xmlns:p14="http://schemas.microsoft.com/office/powerpoint/2010/main" val="2921433075"/>
-      </p:ext>
-    </p:extLst>
-  </p:cSld>
-  <p:clrMapOvr>
-    <a:masterClrMapping/>
-  </p:clrMapOvr>
-</p:sld>
-</file>
-
-<file path=ppt/slides/slide4.xml><?xml version="1.0" encoding="utf-8"?>
-<p:sld xmlns:a="http://schemas.openxmlformats.org/drawingml/2006/main" xmlns:r="http://schemas.openxmlformats.org/officeDocument/2006/relationships" xmlns:p="http://schemas.openxmlformats.org/presentationml/2006/main">
-  <p:cSld>
-    <p:spTree>
-      <p:nvGrpSpPr>
-        <p:cNvPr id="1" name=""/>
-        <p:cNvGrpSpPr/>
-        <p:nvPr/>
-      </p:nvGrpSpPr>
-      <p:grpSpPr>
-        <a:xfrm>
-          <a:off x="0" y="0"/>
-          <a:ext cx="0" cy="0"/>
-          <a:chOff x="0" y="0"/>
-          <a:chExt cx="0" cy="0"/>
-        </a:xfrm>
-      </p:grpSpPr>
-      <p:sp>
-        <p:nvSpPr>
-          <p:cNvPr id="2" name="제목 1">
-            <a:extLst>
-              <a:ext uri="{FF2B5EF4-FFF2-40B4-BE49-F238E27FC236}">
-                <a16:creationId xmlns:a16="http://schemas.microsoft.com/office/drawing/2014/main" id="{D9FF0286-6E38-4202-8C73-D11A3C773423}"/>
-              </a:ext>
-            </a:extLst>
-          </p:cNvPr>
-          <p:cNvSpPr>
-            <a:spLocks noGrp="1"/>
-          </p:cNvSpPr>
-          <p:nvPr>
-            <p:ph type="title"/>
-          </p:nvPr>
-        </p:nvSpPr>
-        <p:spPr/>
-        <p:txBody>
-          <a:bodyPr/>
-          <a:lstStyle/>
-          <a:p>
-            <a:r>
-              <a:rPr lang="en-US" altLang="ko-KR" dirty="0" err="1"/>
-              <a:t>Tommorow</a:t>
-            </a:r>
-            <a:endParaRPr lang="ko-KR" altLang="en-US" dirty="0"/>
-          </a:p>
-        </p:txBody>
-      </p:sp>
-      <p:sp>
-        <p:nvSpPr>
-          <p:cNvPr id="3" name="내용 개체 틀 2">
-            <a:extLst>
-              <a:ext uri="{FF2B5EF4-FFF2-40B4-BE49-F238E27FC236}">
-                <a16:creationId xmlns:a16="http://schemas.microsoft.com/office/drawing/2014/main" id="{63B485AF-BB82-4CAA-A9DB-0FE1B6C8CAE0}"/>
-              </a:ext>
-            </a:extLst>
-          </p:cNvPr>
-          <p:cNvSpPr>
-            <a:spLocks noGrp="1"/>
-          </p:cNvSpPr>
-          <p:nvPr>
-            <p:ph idx="1"/>
-          </p:nvPr>
-        </p:nvSpPr>
-        <p:spPr/>
-        <p:txBody>
-          <a:bodyPr/>
-          <a:lstStyle/>
-          <a:p>
-            <a:endParaRPr lang="ko-KR" altLang="en-US"/>
-          </a:p>
-        </p:txBody>
-      </p:sp>
-    </p:spTree>
-    <p:extLst>
-      <p:ext uri="{BB962C8B-B14F-4D97-AF65-F5344CB8AC3E}">
-        <p14:creationId xmlns:p14="http://schemas.microsoft.com/office/powerpoint/2010/main" val="984582321"/>
       </p:ext>
     </p:extLst>
   </p:cSld>

--- a/99Daily Report/99OutPut/0708DailyReport.pptx
+++ b/99Daily Report/99OutPut/0708DailyReport.pptx
@@ -3385,8 +3385,8 @@
         </p:blipFill>
         <p:spPr>
           <a:xfrm>
-            <a:off x="921300" y="3924368"/>
-            <a:ext cx="3690691" cy="2066787"/>
+            <a:off x="909292" y="3810610"/>
+            <a:ext cx="1980924" cy="1653751"/>
           </a:xfrm>
         </p:spPr>
       </p:pic>
@@ -3418,8 +3418,8 @@
         </p:blipFill>
         <p:spPr>
           <a:xfrm>
-            <a:off x="921301" y="1723955"/>
-            <a:ext cx="3690691" cy="2066787"/>
+            <a:off x="909292" y="2156859"/>
+            <a:ext cx="1980924" cy="1653751"/>
           </a:xfrm>
           <a:prstGeom prst="rect">
             <a:avLst/>
@@ -3442,7 +3442,7 @@
         </p:nvSpPr>
         <p:spPr>
           <a:xfrm>
-            <a:off x="4859131" y="1723955"/>
+            <a:off x="4859131" y="2156859"/>
             <a:ext cx="6145394" cy="4267200"/>
           </a:xfrm>
           <a:prstGeom prst="rect">
@@ -3619,6 +3619,626 @@
           </a:lstStyle>
           <a:p>
             <a:endParaRPr lang="ko-KR" altLang="en-US" dirty="0"/>
+          </a:p>
+        </p:txBody>
+      </p:sp>
+      <p:pic>
+        <p:nvPicPr>
+          <p:cNvPr id="4" name="그림 3" descr="텍스트이(가) 표시된 사진&#10;&#10;자동 생성된 설명">
+            <a:extLst>
+              <a:ext uri="{FF2B5EF4-FFF2-40B4-BE49-F238E27FC236}">
+                <a16:creationId xmlns:a16="http://schemas.microsoft.com/office/drawing/2014/main" id="{5BE4E041-3798-432A-A70F-1A027A698F8F}"/>
+              </a:ext>
+            </a:extLst>
+          </p:cNvPr>
+          <p:cNvPicPr>
+            <a:picLocks noChangeAspect="1"/>
+          </p:cNvPicPr>
+          <p:nvPr/>
+        </p:nvPicPr>
+        <p:blipFill>
+          <a:blip r:embed="rId4">
+            <a:extLst>
+              <a:ext uri="{28A0092B-C50C-407E-A947-70E740481C1C}">
+                <a14:useLocalDpi xmlns:a14="http://schemas.microsoft.com/office/drawing/2010/main" val="0"/>
+              </a:ext>
+            </a:extLst>
+          </a:blip>
+          <a:stretch>
+            <a:fillRect/>
+          </a:stretch>
+        </p:blipFill>
+        <p:spPr>
+          <a:xfrm>
+            <a:off x="6096000" y="2156859"/>
+            <a:ext cx="1988817" cy="1653751"/>
+          </a:xfrm>
+          <a:prstGeom prst="rect">
+            <a:avLst/>
+          </a:prstGeom>
+        </p:spPr>
+      </p:pic>
+      <p:pic>
+        <p:nvPicPr>
+          <p:cNvPr id="7" name="그림 6" descr="실내, 장식이(가) 표시된 사진&#10;&#10;자동 생성된 설명">
+            <a:extLst>
+              <a:ext uri="{FF2B5EF4-FFF2-40B4-BE49-F238E27FC236}">
+                <a16:creationId xmlns:a16="http://schemas.microsoft.com/office/drawing/2014/main" id="{72D71CB9-F11B-40A8-934D-3B0707CAB44A}"/>
+              </a:ext>
+            </a:extLst>
+          </p:cNvPr>
+          <p:cNvPicPr>
+            <a:picLocks noChangeAspect="1"/>
+          </p:cNvPicPr>
+          <p:nvPr/>
+        </p:nvPicPr>
+        <p:blipFill>
+          <a:blip r:embed="rId5">
+            <a:extLst>
+              <a:ext uri="{28A0092B-C50C-407E-A947-70E740481C1C}">
+                <a14:useLocalDpi xmlns:a14="http://schemas.microsoft.com/office/drawing/2010/main" val="0"/>
+              </a:ext>
+            </a:extLst>
+          </a:blip>
+          <a:stretch>
+            <a:fillRect/>
+          </a:stretch>
+        </p:blipFill>
+        <p:spPr>
+          <a:xfrm>
+            <a:off x="6096000" y="3810610"/>
+            <a:ext cx="1988817" cy="1653750"/>
+          </a:xfrm>
+          <a:prstGeom prst="rect">
+            <a:avLst/>
+          </a:prstGeom>
+        </p:spPr>
+      </p:pic>
+      <p:sp>
+        <p:nvSpPr>
+          <p:cNvPr id="13" name="내용 개체 틀 2">
+            <a:extLst>
+              <a:ext uri="{FF2B5EF4-FFF2-40B4-BE49-F238E27FC236}">
+                <a16:creationId xmlns:a16="http://schemas.microsoft.com/office/drawing/2014/main" id="{35FD4F19-BAA0-4CF9-8371-0B0D861D8B59}"/>
+              </a:ext>
+            </a:extLst>
+          </p:cNvPr>
+          <p:cNvSpPr txBox="1">
+            <a:spLocks/>
+          </p:cNvSpPr>
+          <p:nvPr/>
+        </p:nvSpPr>
+        <p:spPr>
+          <a:xfrm>
+            <a:off x="3273251" y="2156859"/>
+            <a:ext cx="2153638" cy="3307501"/>
+          </a:xfrm>
+          <a:prstGeom prst="rect">
+            <a:avLst/>
+          </a:prstGeom>
+        </p:spPr>
+        <p:txBody>
+          <a:bodyPr vert="horz" lIns="91440" tIns="45720" rIns="91440" bIns="45720" rtlCol="0">
+            <a:normAutofit/>
+          </a:bodyPr>
+          <a:lstStyle>
+            <a:lvl1pPr marL="228600" indent="-228600" algn="l" defTabSz="914400" rtl="0" eaLnBrk="1" latinLnBrk="1" hangingPunct="1">
+              <a:lnSpc>
+                <a:spcPct val="90000"/>
+              </a:lnSpc>
+              <a:spcBef>
+                <a:spcPts val="1000"/>
+              </a:spcBef>
+              <a:buFont typeface="Arial" panose="020B0604020202020204" pitchFamily="34" charset="0"/>
+              <a:buChar char="•"/>
+              <a:defRPr sz="2800" kern="1200">
+                <a:solidFill>
+                  <a:schemeClr val="tx1"/>
+                </a:solidFill>
+                <a:latin typeface="+mn-lt"/>
+                <a:ea typeface="+mn-ea"/>
+                <a:cs typeface="+mn-cs"/>
+              </a:defRPr>
+            </a:lvl1pPr>
+            <a:lvl2pPr marL="685800" indent="-228600" algn="l" defTabSz="914400" rtl="0" eaLnBrk="1" latinLnBrk="1" hangingPunct="1">
+              <a:lnSpc>
+                <a:spcPct val="90000"/>
+              </a:lnSpc>
+              <a:spcBef>
+                <a:spcPts val="500"/>
+              </a:spcBef>
+              <a:buFont typeface="Arial" panose="020B0604020202020204" pitchFamily="34" charset="0"/>
+              <a:buChar char="•"/>
+              <a:defRPr sz="2400" kern="1200">
+                <a:solidFill>
+                  <a:schemeClr val="tx1"/>
+                </a:solidFill>
+                <a:latin typeface="+mn-lt"/>
+                <a:ea typeface="+mn-ea"/>
+                <a:cs typeface="+mn-cs"/>
+              </a:defRPr>
+            </a:lvl2pPr>
+            <a:lvl3pPr marL="1143000" indent="-228600" algn="l" defTabSz="914400" rtl="0" eaLnBrk="1" latinLnBrk="1" hangingPunct="1">
+              <a:lnSpc>
+                <a:spcPct val="90000"/>
+              </a:lnSpc>
+              <a:spcBef>
+                <a:spcPts val="500"/>
+              </a:spcBef>
+              <a:buFont typeface="Arial" panose="020B0604020202020204" pitchFamily="34" charset="0"/>
+              <a:buChar char="•"/>
+              <a:defRPr sz="2000" kern="1200">
+                <a:solidFill>
+                  <a:schemeClr val="tx1"/>
+                </a:solidFill>
+                <a:latin typeface="+mn-lt"/>
+                <a:ea typeface="+mn-ea"/>
+                <a:cs typeface="+mn-cs"/>
+              </a:defRPr>
+            </a:lvl3pPr>
+            <a:lvl4pPr marL="1600200" indent="-228600" algn="l" defTabSz="914400" rtl="0" eaLnBrk="1" latinLnBrk="1" hangingPunct="1">
+              <a:lnSpc>
+                <a:spcPct val="90000"/>
+              </a:lnSpc>
+              <a:spcBef>
+                <a:spcPts val="500"/>
+              </a:spcBef>
+              <a:buFont typeface="Arial" panose="020B0604020202020204" pitchFamily="34" charset="0"/>
+              <a:buChar char="•"/>
+              <a:defRPr sz="1800" kern="1200">
+                <a:solidFill>
+                  <a:schemeClr val="tx1"/>
+                </a:solidFill>
+                <a:latin typeface="+mn-lt"/>
+                <a:ea typeface="+mn-ea"/>
+                <a:cs typeface="+mn-cs"/>
+              </a:defRPr>
+            </a:lvl4pPr>
+            <a:lvl5pPr marL="2057400" indent="-228600" algn="l" defTabSz="914400" rtl="0" eaLnBrk="1" latinLnBrk="1" hangingPunct="1">
+              <a:lnSpc>
+                <a:spcPct val="90000"/>
+              </a:lnSpc>
+              <a:spcBef>
+                <a:spcPts val="500"/>
+              </a:spcBef>
+              <a:buFont typeface="Arial" panose="020B0604020202020204" pitchFamily="34" charset="0"/>
+              <a:buChar char="•"/>
+              <a:defRPr sz="1800" kern="1200">
+                <a:solidFill>
+                  <a:schemeClr val="tx1"/>
+                </a:solidFill>
+                <a:latin typeface="+mn-lt"/>
+                <a:ea typeface="+mn-ea"/>
+                <a:cs typeface="+mn-cs"/>
+              </a:defRPr>
+            </a:lvl5pPr>
+            <a:lvl6pPr marL="2514600" indent="-228600" algn="l" defTabSz="914400" rtl="0" eaLnBrk="1" latinLnBrk="1" hangingPunct="1">
+              <a:lnSpc>
+                <a:spcPct val="90000"/>
+              </a:lnSpc>
+              <a:spcBef>
+                <a:spcPts val="500"/>
+              </a:spcBef>
+              <a:buFont typeface="Arial" panose="020B0604020202020204" pitchFamily="34" charset="0"/>
+              <a:buChar char="•"/>
+              <a:defRPr sz="1800" kern="1200">
+                <a:solidFill>
+                  <a:schemeClr val="tx1"/>
+                </a:solidFill>
+                <a:latin typeface="+mn-lt"/>
+                <a:ea typeface="+mn-ea"/>
+                <a:cs typeface="+mn-cs"/>
+              </a:defRPr>
+            </a:lvl6pPr>
+            <a:lvl7pPr marL="2971800" indent="-228600" algn="l" defTabSz="914400" rtl="0" eaLnBrk="1" latinLnBrk="1" hangingPunct="1">
+              <a:lnSpc>
+                <a:spcPct val="90000"/>
+              </a:lnSpc>
+              <a:spcBef>
+                <a:spcPts val="500"/>
+              </a:spcBef>
+              <a:buFont typeface="Arial" panose="020B0604020202020204" pitchFamily="34" charset="0"/>
+              <a:buChar char="•"/>
+              <a:defRPr sz="1800" kern="1200">
+                <a:solidFill>
+                  <a:schemeClr val="tx1"/>
+                </a:solidFill>
+                <a:latin typeface="+mn-lt"/>
+                <a:ea typeface="+mn-ea"/>
+                <a:cs typeface="+mn-cs"/>
+              </a:defRPr>
+            </a:lvl7pPr>
+            <a:lvl8pPr marL="3429000" indent="-228600" algn="l" defTabSz="914400" rtl="0" eaLnBrk="1" latinLnBrk="1" hangingPunct="1">
+              <a:lnSpc>
+                <a:spcPct val="90000"/>
+              </a:lnSpc>
+              <a:spcBef>
+                <a:spcPts val="500"/>
+              </a:spcBef>
+              <a:buFont typeface="Arial" panose="020B0604020202020204" pitchFamily="34" charset="0"/>
+              <a:buChar char="•"/>
+              <a:defRPr sz="1800" kern="1200">
+                <a:solidFill>
+                  <a:schemeClr val="tx1"/>
+                </a:solidFill>
+                <a:latin typeface="+mn-lt"/>
+                <a:ea typeface="+mn-ea"/>
+                <a:cs typeface="+mn-cs"/>
+              </a:defRPr>
+            </a:lvl8pPr>
+            <a:lvl9pPr marL="3886200" indent="-228600" algn="l" defTabSz="914400" rtl="0" eaLnBrk="1" latinLnBrk="1" hangingPunct="1">
+              <a:lnSpc>
+                <a:spcPct val="90000"/>
+              </a:lnSpc>
+              <a:spcBef>
+                <a:spcPts val="500"/>
+              </a:spcBef>
+              <a:buFont typeface="Arial" panose="020B0604020202020204" pitchFamily="34" charset="0"/>
+              <a:buChar char="•"/>
+              <a:defRPr sz="1800" kern="1200">
+                <a:solidFill>
+                  <a:schemeClr val="tx1"/>
+                </a:solidFill>
+                <a:latin typeface="+mn-lt"/>
+                <a:ea typeface="+mn-ea"/>
+                <a:cs typeface="+mn-cs"/>
+              </a:defRPr>
+            </a:lvl9pPr>
+          </a:lstStyle>
+          <a:p>
+            <a:pPr marL="0" indent="0">
+              <a:buNone/>
+            </a:pPr>
+            <a:r>
+              <a:rPr lang="en-US" altLang="ko-KR" sz="1500" dirty="0"/>
+              <a:t>Top View 2D </a:t>
+            </a:r>
+            <a:r>
+              <a:rPr lang="ko-KR" altLang="en-US" sz="1500" dirty="0"/>
+              <a:t>게임 중 </a:t>
+            </a:r>
+            <a:endParaRPr lang="en-US" altLang="ko-KR" sz="1500" dirty="0"/>
+          </a:p>
+          <a:p>
+            <a:pPr marL="0" indent="0">
+              <a:buNone/>
+            </a:pPr>
+            <a:r>
+              <a:rPr lang="ko-KR" altLang="en-US" sz="1500" dirty="0"/>
+              <a:t>가장 다양한 컨텐츠를 </a:t>
+            </a:r>
+            <a:endParaRPr lang="en-US" altLang="ko-KR" sz="1500" dirty="0"/>
+          </a:p>
+          <a:p>
+            <a:pPr marL="0" indent="0">
+              <a:buNone/>
+            </a:pPr>
+            <a:r>
+              <a:rPr lang="ko-KR" altLang="en-US" sz="1500" dirty="0"/>
+              <a:t>보유하고 있다고 판단하여</a:t>
+            </a:r>
+            <a:endParaRPr lang="en-US" altLang="ko-KR" sz="1500" dirty="0"/>
+          </a:p>
+          <a:p>
+            <a:pPr marL="0" indent="0">
+              <a:buNone/>
+            </a:pPr>
+            <a:endParaRPr lang="en-US" altLang="ko-KR" sz="1500" dirty="0"/>
+          </a:p>
+          <a:p>
+            <a:pPr marL="0" indent="0">
+              <a:buNone/>
+            </a:pPr>
+            <a:r>
+              <a:rPr lang="ko-KR" altLang="en-US" sz="1500" dirty="0"/>
+              <a:t>컨텐츠 측면에서</a:t>
+            </a:r>
+            <a:endParaRPr lang="en-US" altLang="ko-KR" sz="1500" dirty="0"/>
+          </a:p>
+          <a:p>
+            <a:pPr marL="0" indent="0">
+              <a:buNone/>
+            </a:pPr>
+            <a:r>
+              <a:rPr lang="ko-KR" altLang="en-US" sz="1500" dirty="0"/>
+              <a:t>바람의 나라</a:t>
+            </a:r>
+            <a:r>
+              <a:rPr lang="en-US" altLang="ko-KR" sz="1500" dirty="0"/>
+              <a:t>:</a:t>
+            </a:r>
+            <a:r>
+              <a:rPr lang="ko-KR" altLang="en-US" sz="1500" dirty="0"/>
+              <a:t>연을 </a:t>
+            </a:r>
+            <a:endParaRPr lang="en-US" altLang="ko-KR" sz="1500" dirty="0"/>
+          </a:p>
+          <a:p>
+            <a:pPr marL="0" indent="0">
+              <a:buNone/>
+            </a:pPr>
+            <a:r>
+              <a:rPr lang="ko-KR" altLang="en-US" sz="1500" dirty="0"/>
+              <a:t>모티브로 제작</a:t>
+            </a:r>
+          </a:p>
+        </p:txBody>
+      </p:sp>
+      <p:sp>
+        <p:nvSpPr>
+          <p:cNvPr id="14" name="내용 개체 틀 2">
+            <a:extLst>
+              <a:ext uri="{FF2B5EF4-FFF2-40B4-BE49-F238E27FC236}">
+                <a16:creationId xmlns:a16="http://schemas.microsoft.com/office/drawing/2014/main" id="{F5AE2546-A641-42B6-908C-B65D6F84A328}"/>
+              </a:ext>
+            </a:extLst>
+          </p:cNvPr>
+          <p:cNvSpPr txBox="1">
+            <a:spLocks/>
+          </p:cNvSpPr>
+          <p:nvPr/>
+        </p:nvSpPr>
+        <p:spPr>
+          <a:xfrm>
+            <a:off x="8540990" y="2155822"/>
+            <a:ext cx="2153638" cy="3307501"/>
+          </a:xfrm>
+          <a:prstGeom prst="rect">
+            <a:avLst/>
+          </a:prstGeom>
+        </p:spPr>
+        <p:txBody>
+          <a:bodyPr vert="horz" lIns="91440" tIns="45720" rIns="91440" bIns="45720" rtlCol="0">
+            <a:normAutofit/>
+          </a:bodyPr>
+          <a:lstStyle>
+            <a:lvl1pPr marL="228600" indent="-228600" algn="l" defTabSz="914400" rtl="0" eaLnBrk="1" latinLnBrk="1" hangingPunct="1">
+              <a:lnSpc>
+                <a:spcPct val="90000"/>
+              </a:lnSpc>
+              <a:spcBef>
+                <a:spcPts val="1000"/>
+              </a:spcBef>
+              <a:buFont typeface="Arial" panose="020B0604020202020204" pitchFamily="34" charset="0"/>
+              <a:buChar char="•"/>
+              <a:defRPr sz="2800" kern="1200">
+                <a:solidFill>
+                  <a:schemeClr val="tx1"/>
+                </a:solidFill>
+                <a:latin typeface="+mn-lt"/>
+                <a:ea typeface="+mn-ea"/>
+                <a:cs typeface="+mn-cs"/>
+              </a:defRPr>
+            </a:lvl1pPr>
+            <a:lvl2pPr marL="685800" indent="-228600" algn="l" defTabSz="914400" rtl="0" eaLnBrk="1" latinLnBrk="1" hangingPunct="1">
+              <a:lnSpc>
+                <a:spcPct val="90000"/>
+              </a:lnSpc>
+              <a:spcBef>
+                <a:spcPts val="500"/>
+              </a:spcBef>
+              <a:buFont typeface="Arial" panose="020B0604020202020204" pitchFamily="34" charset="0"/>
+              <a:buChar char="•"/>
+              <a:defRPr sz="2400" kern="1200">
+                <a:solidFill>
+                  <a:schemeClr val="tx1"/>
+                </a:solidFill>
+                <a:latin typeface="+mn-lt"/>
+                <a:ea typeface="+mn-ea"/>
+                <a:cs typeface="+mn-cs"/>
+              </a:defRPr>
+            </a:lvl2pPr>
+            <a:lvl3pPr marL="1143000" indent="-228600" algn="l" defTabSz="914400" rtl="0" eaLnBrk="1" latinLnBrk="1" hangingPunct="1">
+              <a:lnSpc>
+                <a:spcPct val="90000"/>
+              </a:lnSpc>
+              <a:spcBef>
+                <a:spcPts val="500"/>
+              </a:spcBef>
+              <a:buFont typeface="Arial" panose="020B0604020202020204" pitchFamily="34" charset="0"/>
+              <a:buChar char="•"/>
+              <a:defRPr sz="2000" kern="1200">
+                <a:solidFill>
+                  <a:schemeClr val="tx1"/>
+                </a:solidFill>
+                <a:latin typeface="+mn-lt"/>
+                <a:ea typeface="+mn-ea"/>
+                <a:cs typeface="+mn-cs"/>
+              </a:defRPr>
+            </a:lvl3pPr>
+            <a:lvl4pPr marL="1600200" indent="-228600" algn="l" defTabSz="914400" rtl="0" eaLnBrk="1" latinLnBrk="1" hangingPunct="1">
+              <a:lnSpc>
+                <a:spcPct val="90000"/>
+              </a:lnSpc>
+              <a:spcBef>
+                <a:spcPts val="500"/>
+              </a:spcBef>
+              <a:buFont typeface="Arial" panose="020B0604020202020204" pitchFamily="34" charset="0"/>
+              <a:buChar char="•"/>
+              <a:defRPr sz="1800" kern="1200">
+                <a:solidFill>
+                  <a:schemeClr val="tx1"/>
+                </a:solidFill>
+                <a:latin typeface="+mn-lt"/>
+                <a:ea typeface="+mn-ea"/>
+                <a:cs typeface="+mn-cs"/>
+              </a:defRPr>
+            </a:lvl4pPr>
+            <a:lvl5pPr marL="2057400" indent="-228600" algn="l" defTabSz="914400" rtl="0" eaLnBrk="1" latinLnBrk="1" hangingPunct="1">
+              <a:lnSpc>
+                <a:spcPct val="90000"/>
+              </a:lnSpc>
+              <a:spcBef>
+                <a:spcPts val="500"/>
+              </a:spcBef>
+              <a:buFont typeface="Arial" panose="020B0604020202020204" pitchFamily="34" charset="0"/>
+              <a:buChar char="•"/>
+              <a:defRPr sz="1800" kern="1200">
+                <a:solidFill>
+                  <a:schemeClr val="tx1"/>
+                </a:solidFill>
+                <a:latin typeface="+mn-lt"/>
+                <a:ea typeface="+mn-ea"/>
+                <a:cs typeface="+mn-cs"/>
+              </a:defRPr>
+            </a:lvl5pPr>
+            <a:lvl6pPr marL="2514600" indent="-228600" algn="l" defTabSz="914400" rtl="0" eaLnBrk="1" latinLnBrk="1" hangingPunct="1">
+              <a:lnSpc>
+                <a:spcPct val="90000"/>
+              </a:lnSpc>
+              <a:spcBef>
+                <a:spcPts val="500"/>
+              </a:spcBef>
+              <a:buFont typeface="Arial" panose="020B0604020202020204" pitchFamily="34" charset="0"/>
+              <a:buChar char="•"/>
+              <a:defRPr sz="1800" kern="1200">
+                <a:solidFill>
+                  <a:schemeClr val="tx1"/>
+                </a:solidFill>
+                <a:latin typeface="+mn-lt"/>
+                <a:ea typeface="+mn-ea"/>
+                <a:cs typeface="+mn-cs"/>
+              </a:defRPr>
+            </a:lvl6pPr>
+            <a:lvl7pPr marL="2971800" indent="-228600" algn="l" defTabSz="914400" rtl="0" eaLnBrk="1" latinLnBrk="1" hangingPunct="1">
+              <a:lnSpc>
+                <a:spcPct val="90000"/>
+              </a:lnSpc>
+              <a:spcBef>
+                <a:spcPts val="500"/>
+              </a:spcBef>
+              <a:buFont typeface="Arial" panose="020B0604020202020204" pitchFamily="34" charset="0"/>
+              <a:buChar char="•"/>
+              <a:defRPr sz="1800" kern="1200">
+                <a:solidFill>
+                  <a:schemeClr val="tx1"/>
+                </a:solidFill>
+                <a:latin typeface="+mn-lt"/>
+                <a:ea typeface="+mn-ea"/>
+                <a:cs typeface="+mn-cs"/>
+              </a:defRPr>
+            </a:lvl7pPr>
+            <a:lvl8pPr marL="3429000" indent="-228600" algn="l" defTabSz="914400" rtl="0" eaLnBrk="1" latinLnBrk="1" hangingPunct="1">
+              <a:lnSpc>
+                <a:spcPct val="90000"/>
+              </a:lnSpc>
+              <a:spcBef>
+                <a:spcPts val="500"/>
+              </a:spcBef>
+              <a:buFont typeface="Arial" panose="020B0604020202020204" pitchFamily="34" charset="0"/>
+              <a:buChar char="•"/>
+              <a:defRPr sz="1800" kern="1200">
+                <a:solidFill>
+                  <a:schemeClr val="tx1"/>
+                </a:solidFill>
+                <a:latin typeface="+mn-lt"/>
+                <a:ea typeface="+mn-ea"/>
+                <a:cs typeface="+mn-cs"/>
+              </a:defRPr>
+            </a:lvl8pPr>
+            <a:lvl9pPr marL="3886200" indent="-228600" algn="l" defTabSz="914400" rtl="0" eaLnBrk="1" latinLnBrk="1" hangingPunct="1">
+              <a:lnSpc>
+                <a:spcPct val="90000"/>
+              </a:lnSpc>
+              <a:spcBef>
+                <a:spcPts val="500"/>
+              </a:spcBef>
+              <a:buFont typeface="Arial" panose="020B0604020202020204" pitchFamily="34" charset="0"/>
+              <a:buChar char="•"/>
+              <a:defRPr sz="1800" kern="1200">
+                <a:solidFill>
+                  <a:schemeClr val="tx1"/>
+                </a:solidFill>
+                <a:latin typeface="+mn-lt"/>
+                <a:ea typeface="+mn-ea"/>
+                <a:cs typeface="+mn-cs"/>
+              </a:defRPr>
+            </a:lvl9pPr>
+          </a:lstStyle>
+          <a:p>
+            <a:pPr marL="0" indent="0">
+              <a:buNone/>
+            </a:pPr>
+            <a:r>
+              <a:rPr lang="ko-KR" altLang="en-US" sz="1500" dirty="0"/>
+              <a:t>스킬과 </a:t>
+            </a:r>
+            <a:r>
+              <a:rPr lang="en-US" altLang="ko-KR" sz="1500" dirty="0"/>
+              <a:t>hp/</a:t>
+            </a:r>
+            <a:r>
+              <a:rPr lang="en-US" altLang="ko-KR" sz="1500" dirty="0" err="1"/>
+              <a:t>sp</a:t>
+            </a:r>
+            <a:r>
+              <a:rPr lang="en-US" altLang="ko-KR" sz="1500" dirty="0"/>
+              <a:t> </a:t>
+            </a:r>
+            <a:r>
+              <a:rPr lang="ko-KR" altLang="en-US" sz="1500" dirty="0"/>
+              <a:t>정보의</a:t>
+            </a:r>
+            <a:endParaRPr lang="en-US" altLang="ko-KR" sz="1500" dirty="0"/>
+          </a:p>
+          <a:p>
+            <a:pPr marL="0" indent="0">
+              <a:buNone/>
+            </a:pPr>
+            <a:r>
+              <a:rPr lang="ko-KR" altLang="en-US" sz="1500" dirty="0"/>
+              <a:t>가시성이 좋다고 판단하여</a:t>
+            </a:r>
+          </a:p>
+          <a:p>
+            <a:pPr marL="0" indent="0">
+              <a:buNone/>
+            </a:pPr>
+            <a:endParaRPr lang="en-US" altLang="ko-KR" sz="1500" dirty="0"/>
+          </a:p>
+          <a:p>
+            <a:pPr marL="0" indent="0">
+              <a:buNone/>
+            </a:pPr>
+            <a:r>
+              <a:rPr lang="ko-KR" altLang="en-US" sz="1500" dirty="0"/>
+              <a:t>게임 </a:t>
+            </a:r>
+            <a:r>
+              <a:rPr lang="en-US" altLang="ko-KR" sz="1500" dirty="0"/>
+              <a:t>UI</a:t>
+            </a:r>
+            <a:r>
+              <a:rPr lang="ko-KR" altLang="en-US" sz="1500" dirty="0"/>
+              <a:t> 측면에서 </a:t>
+            </a:r>
+            <a:endParaRPr lang="en-US" altLang="ko-KR" sz="1500" dirty="0"/>
+          </a:p>
+          <a:p>
+            <a:pPr marL="0" indent="0">
+              <a:buNone/>
+            </a:pPr>
+            <a:r>
+              <a:rPr lang="ko-KR" altLang="en-US" sz="1500" dirty="0"/>
+              <a:t>던전 앤 파이터를 </a:t>
+            </a:r>
+            <a:endParaRPr lang="en-US" altLang="ko-KR" sz="1500" dirty="0"/>
+          </a:p>
+          <a:p>
+            <a:pPr marL="0" indent="0">
+              <a:buNone/>
+            </a:pPr>
+            <a:r>
+              <a:rPr lang="ko-KR" altLang="en-US" sz="1500" dirty="0"/>
+              <a:t>모티브로 제작</a:t>
+            </a:r>
+            <a:endParaRPr lang="en-US" altLang="ko-KR" sz="1500" dirty="0"/>
+          </a:p>
+          <a:p>
+            <a:pPr marL="0" indent="0">
+              <a:buNone/>
+            </a:pPr>
+            <a:endParaRPr lang="en-US" altLang="ko-KR" sz="1500" dirty="0"/>
           </a:p>
         </p:txBody>
       </p:sp>

--- a/99Daily Report/99OutPut/0708DailyReport.pptx
+++ b/99Daily Report/99OutPut/0708DailyReport.pptx
@@ -7,6 +7,7 @@
   <p:sldIdLst>
     <p:sldId id="262" r:id="rId2"/>
     <p:sldId id="261" r:id="rId3"/>
+    <p:sldId id="263" r:id="rId4"/>
   </p:sldIdLst>
   <p:sldSz cx="12192000" cy="6858000"/>
   <p:notesSz cx="6858000" cy="9144000"/>
@@ -4746,6 +4747,389 @@
 </p:sld>
 </file>
 
+<file path=ppt/slides/slide3.xml><?xml version="1.0" encoding="utf-8"?>
+<p:sld xmlns:a="http://schemas.openxmlformats.org/drawingml/2006/main" xmlns:r="http://schemas.openxmlformats.org/officeDocument/2006/relationships" xmlns:p="http://schemas.openxmlformats.org/presentationml/2006/main">
+  <p:cSld>
+    <p:spTree>
+      <p:nvGrpSpPr>
+        <p:cNvPr id="1" name=""/>
+        <p:cNvGrpSpPr/>
+        <p:nvPr/>
+      </p:nvGrpSpPr>
+      <p:grpSpPr>
+        <a:xfrm>
+          <a:off x="0" y="0"/>
+          <a:ext cx="0" cy="0"/>
+          <a:chOff x="0" y="0"/>
+          <a:chExt cx="0" cy="0"/>
+        </a:xfrm>
+      </p:grpSpPr>
+      <p:sp>
+        <p:nvSpPr>
+          <p:cNvPr id="2" name="제목 1">
+            <a:extLst>
+              <a:ext uri="{FF2B5EF4-FFF2-40B4-BE49-F238E27FC236}">
+                <a16:creationId xmlns:a16="http://schemas.microsoft.com/office/drawing/2014/main" id="{D9FF0286-6E38-4202-8C73-D11A3C773423}"/>
+              </a:ext>
+            </a:extLst>
+          </p:cNvPr>
+          <p:cNvSpPr>
+            <a:spLocks noGrp="1"/>
+          </p:cNvSpPr>
+          <p:nvPr>
+            <p:ph type="title"/>
+          </p:nvPr>
+        </p:nvSpPr>
+        <p:spPr>
+          <a:xfrm>
+            <a:off x="838200" y="365125"/>
+            <a:ext cx="4805179" cy="1325563"/>
+          </a:xfrm>
+        </p:spPr>
+        <p:txBody>
+          <a:bodyPr>
+            <a:normAutofit/>
+          </a:bodyPr>
+          <a:lstStyle/>
+          <a:p>
+            <a:r>
+              <a:rPr lang="ko-KR" altLang="en-US" sz="2800" dirty="0"/>
+              <a:t>캐릭터 리소스</a:t>
+            </a:r>
+          </a:p>
+        </p:txBody>
+      </p:sp>
+      <p:sp>
+        <p:nvSpPr>
+          <p:cNvPr id="3" name="내용 개체 틀 2">
+            <a:extLst>
+              <a:ext uri="{FF2B5EF4-FFF2-40B4-BE49-F238E27FC236}">
+                <a16:creationId xmlns:a16="http://schemas.microsoft.com/office/drawing/2014/main" id="{63B485AF-BB82-4CAA-A9DB-0FE1B6C8CAE0}"/>
+              </a:ext>
+            </a:extLst>
+          </p:cNvPr>
+          <p:cNvSpPr>
+            <a:spLocks noGrp="1"/>
+          </p:cNvSpPr>
+          <p:nvPr>
+            <p:ph idx="1"/>
+          </p:nvPr>
+        </p:nvSpPr>
+        <p:spPr>
+          <a:xfrm>
+            <a:off x="838200" y="1825625"/>
+            <a:ext cx="4455901" cy="4351338"/>
+          </a:xfrm>
+        </p:spPr>
+        <p:txBody>
+          <a:bodyPr>
+            <a:normAutofit/>
+          </a:bodyPr>
+          <a:lstStyle/>
+          <a:p>
+            <a:r>
+              <a:rPr lang="en-US" altLang="ko-KR" sz="1100" dirty="0">
+                <a:hlinkClick r:id="rId2"/>
+              </a:rPr>
+              <a:t>GUI PRO Kit - Fantasy RPG | 2D GUI | Unity Asset Store</a:t>
+            </a:r>
+            <a:endParaRPr lang="en-US" altLang="ko-KR" sz="1100" dirty="0"/>
+          </a:p>
+          <a:p>
+            <a:endParaRPr lang="en-US" altLang="ko-KR" sz="1100" dirty="0"/>
+          </a:p>
+          <a:p>
+            <a:r>
+              <a:rPr lang="en-US" altLang="ko-KR" sz="1100" dirty="0">
+                <a:hlinkClick r:id="rId3"/>
+              </a:rPr>
+              <a:t>GUI PRO Kit - Casual Game | 2D GUI | Unity Asset Store</a:t>
+            </a:r>
+            <a:endParaRPr lang="en-US" altLang="ko-KR" sz="1100" dirty="0"/>
+          </a:p>
+          <a:p>
+            <a:r>
+              <a:rPr lang="en-US" altLang="ko-KR" sz="1100" dirty="0">
+                <a:hlinkClick r:id="rId4"/>
+              </a:rPr>
+              <a:t>Low Poly Pixel UI | 2D Icons | Unity Asset Store</a:t>
+            </a:r>
+            <a:endParaRPr lang="ko-KR" altLang="en-US" sz="1100" dirty="0"/>
+          </a:p>
+        </p:txBody>
+      </p:sp>
+      <p:sp>
+        <p:nvSpPr>
+          <p:cNvPr id="4" name="내용 개체 틀 2">
+            <a:extLst>
+              <a:ext uri="{FF2B5EF4-FFF2-40B4-BE49-F238E27FC236}">
+                <a16:creationId xmlns:a16="http://schemas.microsoft.com/office/drawing/2014/main" id="{8A629705-C24A-4681-BFF1-ADFDD4F4B2A1}"/>
+              </a:ext>
+            </a:extLst>
+          </p:cNvPr>
+          <p:cNvSpPr txBox="1">
+            <a:spLocks/>
+          </p:cNvSpPr>
+          <p:nvPr/>
+        </p:nvSpPr>
+        <p:spPr>
+          <a:xfrm>
+            <a:off x="6548623" y="1825625"/>
+            <a:ext cx="4455901" cy="4351338"/>
+          </a:xfrm>
+          <a:prstGeom prst="rect">
+            <a:avLst/>
+          </a:prstGeom>
+        </p:spPr>
+        <p:txBody>
+          <a:bodyPr vert="horz" lIns="91440" tIns="45720" rIns="91440" bIns="45720" rtlCol="0">
+            <a:normAutofit/>
+          </a:bodyPr>
+          <a:lstStyle>
+            <a:lvl1pPr marL="228600" indent="-228600" algn="l" defTabSz="914400" rtl="0" eaLnBrk="1" latinLnBrk="1" hangingPunct="1">
+              <a:lnSpc>
+                <a:spcPct val="90000"/>
+              </a:lnSpc>
+              <a:spcBef>
+                <a:spcPts val="1000"/>
+              </a:spcBef>
+              <a:buFont typeface="Arial" panose="020B0604020202020204" pitchFamily="34" charset="0"/>
+              <a:buChar char="•"/>
+              <a:defRPr sz="2800" kern="1200">
+                <a:solidFill>
+                  <a:schemeClr val="tx1"/>
+                </a:solidFill>
+                <a:latin typeface="+mn-lt"/>
+                <a:ea typeface="+mn-ea"/>
+                <a:cs typeface="+mn-cs"/>
+              </a:defRPr>
+            </a:lvl1pPr>
+            <a:lvl2pPr marL="685800" indent="-228600" algn="l" defTabSz="914400" rtl="0" eaLnBrk="1" latinLnBrk="1" hangingPunct="1">
+              <a:lnSpc>
+                <a:spcPct val="90000"/>
+              </a:lnSpc>
+              <a:spcBef>
+                <a:spcPts val="500"/>
+              </a:spcBef>
+              <a:buFont typeface="Arial" panose="020B0604020202020204" pitchFamily="34" charset="0"/>
+              <a:buChar char="•"/>
+              <a:defRPr sz="2400" kern="1200">
+                <a:solidFill>
+                  <a:schemeClr val="tx1"/>
+                </a:solidFill>
+                <a:latin typeface="+mn-lt"/>
+                <a:ea typeface="+mn-ea"/>
+                <a:cs typeface="+mn-cs"/>
+              </a:defRPr>
+            </a:lvl2pPr>
+            <a:lvl3pPr marL="1143000" indent="-228600" algn="l" defTabSz="914400" rtl="0" eaLnBrk="1" latinLnBrk="1" hangingPunct="1">
+              <a:lnSpc>
+                <a:spcPct val="90000"/>
+              </a:lnSpc>
+              <a:spcBef>
+                <a:spcPts val="500"/>
+              </a:spcBef>
+              <a:buFont typeface="Arial" panose="020B0604020202020204" pitchFamily="34" charset="0"/>
+              <a:buChar char="•"/>
+              <a:defRPr sz="2000" kern="1200">
+                <a:solidFill>
+                  <a:schemeClr val="tx1"/>
+                </a:solidFill>
+                <a:latin typeface="+mn-lt"/>
+                <a:ea typeface="+mn-ea"/>
+                <a:cs typeface="+mn-cs"/>
+              </a:defRPr>
+            </a:lvl3pPr>
+            <a:lvl4pPr marL="1600200" indent="-228600" algn="l" defTabSz="914400" rtl="0" eaLnBrk="1" latinLnBrk="1" hangingPunct="1">
+              <a:lnSpc>
+                <a:spcPct val="90000"/>
+              </a:lnSpc>
+              <a:spcBef>
+                <a:spcPts val="500"/>
+              </a:spcBef>
+              <a:buFont typeface="Arial" panose="020B0604020202020204" pitchFamily="34" charset="0"/>
+              <a:buChar char="•"/>
+              <a:defRPr sz="1800" kern="1200">
+                <a:solidFill>
+                  <a:schemeClr val="tx1"/>
+                </a:solidFill>
+                <a:latin typeface="+mn-lt"/>
+                <a:ea typeface="+mn-ea"/>
+                <a:cs typeface="+mn-cs"/>
+              </a:defRPr>
+            </a:lvl4pPr>
+            <a:lvl5pPr marL="2057400" indent="-228600" algn="l" defTabSz="914400" rtl="0" eaLnBrk="1" latinLnBrk="1" hangingPunct="1">
+              <a:lnSpc>
+                <a:spcPct val="90000"/>
+              </a:lnSpc>
+              <a:spcBef>
+                <a:spcPts val="500"/>
+              </a:spcBef>
+              <a:buFont typeface="Arial" panose="020B0604020202020204" pitchFamily="34" charset="0"/>
+              <a:buChar char="•"/>
+              <a:defRPr sz="1800" kern="1200">
+                <a:solidFill>
+                  <a:schemeClr val="tx1"/>
+                </a:solidFill>
+                <a:latin typeface="+mn-lt"/>
+                <a:ea typeface="+mn-ea"/>
+                <a:cs typeface="+mn-cs"/>
+              </a:defRPr>
+            </a:lvl5pPr>
+            <a:lvl6pPr marL="2514600" indent="-228600" algn="l" defTabSz="914400" rtl="0" eaLnBrk="1" latinLnBrk="1" hangingPunct="1">
+              <a:lnSpc>
+                <a:spcPct val="90000"/>
+              </a:lnSpc>
+              <a:spcBef>
+                <a:spcPts val="500"/>
+              </a:spcBef>
+              <a:buFont typeface="Arial" panose="020B0604020202020204" pitchFamily="34" charset="0"/>
+              <a:buChar char="•"/>
+              <a:defRPr sz="1800" kern="1200">
+                <a:solidFill>
+                  <a:schemeClr val="tx1"/>
+                </a:solidFill>
+                <a:latin typeface="+mn-lt"/>
+                <a:ea typeface="+mn-ea"/>
+                <a:cs typeface="+mn-cs"/>
+              </a:defRPr>
+            </a:lvl6pPr>
+            <a:lvl7pPr marL="2971800" indent="-228600" algn="l" defTabSz="914400" rtl="0" eaLnBrk="1" latinLnBrk="1" hangingPunct="1">
+              <a:lnSpc>
+                <a:spcPct val="90000"/>
+              </a:lnSpc>
+              <a:spcBef>
+                <a:spcPts val="500"/>
+              </a:spcBef>
+              <a:buFont typeface="Arial" panose="020B0604020202020204" pitchFamily="34" charset="0"/>
+              <a:buChar char="•"/>
+              <a:defRPr sz="1800" kern="1200">
+                <a:solidFill>
+                  <a:schemeClr val="tx1"/>
+                </a:solidFill>
+                <a:latin typeface="+mn-lt"/>
+                <a:ea typeface="+mn-ea"/>
+                <a:cs typeface="+mn-cs"/>
+              </a:defRPr>
+            </a:lvl7pPr>
+            <a:lvl8pPr marL="3429000" indent="-228600" algn="l" defTabSz="914400" rtl="0" eaLnBrk="1" latinLnBrk="1" hangingPunct="1">
+              <a:lnSpc>
+                <a:spcPct val="90000"/>
+              </a:lnSpc>
+              <a:spcBef>
+                <a:spcPts val="500"/>
+              </a:spcBef>
+              <a:buFont typeface="Arial" panose="020B0604020202020204" pitchFamily="34" charset="0"/>
+              <a:buChar char="•"/>
+              <a:defRPr sz="1800" kern="1200">
+                <a:solidFill>
+                  <a:schemeClr val="tx1"/>
+                </a:solidFill>
+                <a:latin typeface="+mn-lt"/>
+                <a:ea typeface="+mn-ea"/>
+                <a:cs typeface="+mn-cs"/>
+              </a:defRPr>
+            </a:lvl8pPr>
+            <a:lvl9pPr marL="3886200" indent="-228600" algn="l" defTabSz="914400" rtl="0" eaLnBrk="1" latinLnBrk="1" hangingPunct="1">
+              <a:lnSpc>
+                <a:spcPct val="90000"/>
+              </a:lnSpc>
+              <a:spcBef>
+                <a:spcPts val="500"/>
+              </a:spcBef>
+              <a:buFont typeface="Arial" panose="020B0604020202020204" pitchFamily="34" charset="0"/>
+              <a:buChar char="•"/>
+              <a:defRPr sz="1800" kern="1200">
+                <a:solidFill>
+                  <a:schemeClr val="tx1"/>
+                </a:solidFill>
+                <a:latin typeface="+mn-lt"/>
+                <a:ea typeface="+mn-ea"/>
+                <a:cs typeface="+mn-cs"/>
+              </a:defRPr>
+            </a:lvl9pPr>
+          </a:lstStyle>
+          <a:p>
+            <a:endParaRPr lang="en-US" altLang="ko-KR" sz="1500" dirty="0"/>
+          </a:p>
+          <a:p>
+            <a:endParaRPr lang="en-US" altLang="ko-KR" sz="1500" dirty="0"/>
+          </a:p>
+          <a:p>
+            <a:endParaRPr lang="en-US" altLang="ko-KR" sz="1500" dirty="0"/>
+          </a:p>
+          <a:p>
+            <a:endParaRPr lang="ko-KR" altLang="en-US" dirty="0"/>
+          </a:p>
+        </p:txBody>
+      </p:sp>
+      <p:sp>
+        <p:nvSpPr>
+          <p:cNvPr id="5" name="제목 1">
+            <a:extLst>
+              <a:ext uri="{FF2B5EF4-FFF2-40B4-BE49-F238E27FC236}">
+                <a16:creationId xmlns:a16="http://schemas.microsoft.com/office/drawing/2014/main" id="{24E87C02-E431-4E8F-BF3D-70D0774CBA8C}"/>
+              </a:ext>
+            </a:extLst>
+          </p:cNvPr>
+          <p:cNvSpPr txBox="1">
+            <a:spLocks/>
+          </p:cNvSpPr>
+          <p:nvPr/>
+        </p:nvSpPr>
+        <p:spPr>
+          <a:xfrm>
+            <a:off x="6470134" y="365125"/>
+            <a:ext cx="4805179" cy="1325563"/>
+          </a:xfrm>
+          <a:prstGeom prst="rect">
+            <a:avLst/>
+          </a:prstGeom>
+        </p:spPr>
+        <p:txBody>
+          <a:bodyPr vert="horz" lIns="91440" tIns="45720" rIns="91440" bIns="45720" rtlCol="0" anchor="ctr">
+            <a:normAutofit/>
+          </a:bodyPr>
+          <a:lstStyle>
+            <a:lvl1pPr algn="l" defTabSz="914400" rtl="0" eaLnBrk="1" latinLnBrk="1" hangingPunct="1">
+              <a:lnSpc>
+                <a:spcPct val="90000"/>
+              </a:lnSpc>
+              <a:spcBef>
+                <a:spcPct val="0"/>
+              </a:spcBef>
+              <a:buNone/>
+              <a:defRPr sz="4400" kern="1200">
+                <a:solidFill>
+                  <a:schemeClr val="tx1"/>
+                </a:solidFill>
+                <a:latin typeface="+mj-lt"/>
+                <a:ea typeface="+mj-ea"/>
+                <a:cs typeface="+mj-cs"/>
+              </a:defRPr>
+            </a:lvl1pPr>
+          </a:lstStyle>
+          <a:p>
+            <a:r>
+              <a:rPr lang="ko-KR" altLang="en-US" sz="2800" dirty="0"/>
+              <a:t>사운드 리소스</a:t>
+            </a:r>
+          </a:p>
+        </p:txBody>
+      </p:sp>
+    </p:spTree>
+    <p:extLst>
+      <p:ext uri="{BB962C8B-B14F-4D97-AF65-F5344CB8AC3E}">
+        <p14:creationId xmlns:p14="http://schemas.microsoft.com/office/powerpoint/2010/main" val="2614677143"/>
+      </p:ext>
+    </p:extLst>
+  </p:cSld>
+  <p:clrMapOvr>
+    <a:masterClrMapping/>
+  </p:clrMapOvr>
+</p:sld>
+</file>
+
 <file path=ppt/theme/theme1.xml><?xml version="1.0" encoding="utf-8"?>
 <a:theme xmlns:a="http://schemas.openxmlformats.org/drawingml/2006/main" name="Office 테마">
   <a:themeElements>
